--- a/doc/VFX_DV.pptx
+++ b/doc/VFX_DV.pptx
@@ -8,6 +8,7 @@
     <p:sldId id="256" r:id="rId2"/>
     <p:sldId id="258" r:id="rId3"/>
     <p:sldId id="257" r:id="rId4"/>
+    <p:sldId id="259" r:id="rId5"/>
   </p:sldIdLst>
   <p:sldSz cx="12192000" cy="6858000"/>
   <p:notesSz cx="6858000" cy="9144000"/>
@@ -106,6 +107,11 @@
       </a:defRPr>
     </a:lvl9pPr>
   </p:defaultTextStyle>
+  <p:extLst>
+    <p:ext uri="{EFAFB233-063F-42B5-8137-9DF3F51BA10A}">
+      <p15:sldGuideLst xmlns:p15="http://schemas.microsoft.com/office/powerpoint/2012/main"/>
+    </p:ext>
+  </p:extLst>
 </p:presentation>
 </file>
 
@@ -240,7 +246,7 @@
           <a:p>
             <a:fld id="{26A825A2-3E3A-409D-A30D-2BE0FFEF4C4F}" type="datetimeFigureOut">
               <a:rPr lang="zh-TW" altLang="en-US" smtClean="0"/>
-              <a:t>2019/6/23</a:t>
+              <a:t>2019/6/26</a:t>
             </a:fld>
             <a:endParaRPr lang="zh-TW" altLang="en-US"/>
           </a:p>
@@ -410,7 +416,7 @@
           <a:p>
             <a:fld id="{26A825A2-3E3A-409D-A30D-2BE0FFEF4C4F}" type="datetimeFigureOut">
               <a:rPr lang="zh-TW" altLang="en-US" smtClean="0"/>
-              <a:t>2019/6/23</a:t>
+              <a:t>2019/6/26</a:t>
             </a:fld>
             <a:endParaRPr lang="zh-TW" altLang="en-US"/>
           </a:p>
@@ -590,7 +596,7 @@
           <a:p>
             <a:fld id="{26A825A2-3E3A-409D-A30D-2BE0FFEF4C4F}" type="datetimeFigureOut">
               <a:rPr lang="zh-TW" altLang="en-US" smtClean="0"/>
-              <a:t>2019/6/23</a:t>
+              <a:t>2019/6/26</a:t>
             </a:fld>
             <a:endParaRPr lang="zh-TW" altLang="en-US"/>
           </a:p>
@@ -760,7 +766,7 @@
           <a:p>
             <a:fld id="{26A825A2-3E3A-409D-A30D-2BE0FFEF4C4F}" type="datetimeFigureOut">
               <a:rPr lang="zh-TW" altLang="en-US" smtClean="0"/>
-              <a:t>2019/6/23</a:t>
+              <a:t>2019/6/26</a:t>
             </a:fld>
             <a:endParaRPr lang="zh-TW" altLang="en-US"/>
           </a:p>
@@ -1006,7 +1012,7 @@
           <a:p>
             <a:fld id="{26A825A2-3E3A-409D-A30D-2BE0FFEF4C4F}" type="datetimeFigureOut">
               <a:rPr lang="zh-TW" altLang="en-US" smtClean="0"/>
-              <a:t>2019/6/23</a:t>
+              <a:t>2019/6/26</a:t>
             </a:fld>
             <a:endParaRPr lang="zh-TW" altLang="en-US"/>
           </a:p>
@@ -1238,7 +1244,7 @@
           <a:p>
             <a:fld id="{26A825A2-3E3A-409D-A30D-2BE0FFEF4C4F}" type="datetimeFigureOut">
               <a:rPr lang="zh-TW" altLang="en-US" smtClean="0"/>
-              <a:t>2019/6/23</a:t>
+              <a:t>2019/6/26</a:t>
             </a:fld>
             <a:endParaRPr lang="zh-TW" altLang="en-US"/>
           </a:p>
@@ -1605,7 +1611,7 @@
           <a:p>
             <a:fld id="{26A825A2-3E3A-409D-A30D-2BE0FFEF4C4F}" type="datetimeFigureOut">
               <a:rPr lang="zh-TW" altLang="en-US" smtClean="0"/>
-              <a:t>2019/6/23</a:t>
+              <a:t>2019/6/26</a:t>
             </a:fld>
             <a:endParaRPr lang="zh-TW" altLang="en-US"/>
           </a:p>
@@ -1723,7 +1729,7 @@
           <a:p>
             <a:fld id="{26A825A2-3E3A-409D-A30D-2BE0FFEF4C4F}" type="datetimeFigureOut">
               <a:rPr lang="zh-TW" altLang="en-US" smtClean="0"/>
-              <a:t>2019/6/23</a:t>
+              <a:t>2019/6/26</a:t>
             </a:fld>
             <a:endParaRPr lang="zh-TW" altLang="en-US"/>
           </a:p>
@@ -1818,7 +1824,7 @@
           <a:p>
             <a:fld id="{26A825A2-3E3A-409D-A30D-2BE0FFEF4C4F}" type="datetimeFigureOut">
               <a:rPr lang="zh-TW" altLang="en-US" smtClean="0"/>
-              <a:t>2019/6/23</a:t>
+              <a:t>2019/6/26</a:t>
             </a:fld>
             <a:endParaRPr lang="zh-TW" altLang="en-US"/>
           </a:p>
@@ -2095,7 +2101,7 @@
           <a:p>
             <a:fld id="{26A825A2-3E3A-409D-A30D-2BE0FFEF4C4F}" type="datetimeFigureOut">
               <a:rPr lang="zh-TW" altLang="en-US" smtClean="0"/>
-              <a:t>2019/6/23</a:t>
+              <a:t>2019/6/26</a:t>
             </a:fld>
             <a:endParaRPr lang="zh-TW" altLang="en-US"/>
           </a:p>
@@ -2348,7 +2354,7 @@
           <a:p>
             <a:fld id="{26A825A2-3E3A-409D-A30D-2BE0FFEF4C4F}" type="datetimeFigureOut">
               <a:rPr lang="zh-TW" altLang="en-US" smtClean="0"/>
-              <a:t>2019/6/23</a:t>
+              <a:t>2019/6/26</a:t>
             </a:fld>
             <a:endParaRPr lang="zh-TW" altLang="en-US"/>
           </a:p>
@@ -2561,7 +2567,7 @@
           <a:p>
             <a:fld id="{26A825A2-3E3A-409D-A30D-2BE0FFEF4C4F}" type="datetimeFigureOut">
               <a:rPr lang="zh-TW" altLang="en-US" smtClean="0"/>
-              <a:t>2019/6/23</a:t>
+              <a:t>2019/6/26</a:t>
             </a:fld>
             <a:endParaRPr lang="zh-TW" altLang="en-US"/>
           </a:p>
@@ -4454,7 +4460,6 @@
               <a:rPr lang="en-US" altLang="zh-TW" dirty="0" smtClean="0"/>
               <a:t>Abs</a:t>
             </a:r>
-            <a:endParaRPr lang="en-US" altLang="zh-TW" dirty="0" smtClean="0"/>
           </a:p>
           <a:p>
             <a:pPr algn="ctr"/>
@@ -6082,6 +6087,2246 @@
 </p:sld>
 </file>
 
+<file path=ppt/slides/slide4.xml><?xml version="1.0" encoding="utf-8"?>
+<p:sld xmlns:a="http://schemas.openxmlformats.org/drawingml/2006/main" xmlns:r="http://schemas.openxmlformats.org/officeDocument/2006/relationships" xmlns:p="http://schemas.openxmlformats.org/presentationml/2006/main">
+  <p:cSld>
+    <p:spTree>
+      <p:nvGrpSpPr>
+        <p:cNvPr id="1" name=""/>
+        <p:cNvGrpSpPr/>
+        <p:nvPr/>
+      </p:nvGrpSpPr>
+      <p:grpSpPr>
+        <a:xfrm>
+          <a:off x="0" y="0"/>
+          <a:ext cx="0" cy="0"/>
+          <a:chOff x="0" y="0"/>
+          <a:chExt cx="0" cy="0"/>
+        </a:xfrm>
+      </p:grpSpPr>
+      <p:sp>
+        <p:nvSpPr>
+          <p:cNvPr id="4" name="文字方塊 3"/>
+          <p:cNvSpPr txBox="1"/>
+          <p:nvPr/>
+        </p:nvSpPr>
+        <p:spPr>
+          <a:xfrm>
+            <a:off x="298156" y="302590"/>
+            <a:ext cx="2249214" cy="492443"/>
+          </a:xfrm>
+          <a:prstGeom prst="rect">
+            <a:avLst/>
+          </a:prstGeom>
+          <a:noFill/>
+        </p:spPr>
+        <p:txBody>
+          <a:bodyPr wrap="square" rtlCol="0">
+            <a:spAutoFit/>
+          </a:bodyPr>
+          <a:lstStyle/>
+          <a:p>
+            <a:r>
+              <a:rPr lang="en-US" altLang="zh-TW" sz="2600" dirty="0" err="1" smtClean="0">
+                <a:latin typeface="Arial" panose="020B0604020202020204" pitchFamily="34" charset="0"/>
+                <a:ea typeface="標楷體" panose="03000509000000000000" pitchFamily="65" charset="-120"/>
+                <a:cs typeface="Arial" panose="020B0604020202020204" pitchFamily="34" charset="0"/>
+              </a:rPr>
+              <a:t>Dataloader</a:t>
+            </a:r>
+            <a:endParaRPr lang="zh-TW" altLang="en-US" sz="2600" dirty="0">
+              <a:latin typeface="Arial" panose="020B0604020202020204" pitchFamily="34" charset="0"/>
+              <a:ea typeface="標楷體" panose="03000509000000000000" pitchFamily="65" charset="-120"/>
+              <a:cs typeface="Arial" panose="020B0604020202020204" pitchFamily="34" charset="0"/>
+            </a:endParaRPr>
+          </a:p>
+        </p:txBody>
+      </p:sp>
+      <p:grpSp>
+        <p:nvGrpSpPr>
+          <p:cNvPr id="5" name="群組 4"/>
+          <p:cNvGrpSpPr/>
+          <p:nvPr/>
+        </p:nvGrpSpPr>
+        <p:grpSpPr>
+          <a:xfrm>
+            <a:off x="3442287" y="3078520"/>
+            <a:ext cx="8008879" cy="1334813"/>
+            <a:chOff x="1755231" y="1219199"/>
+            <a:chExt cx="8743942" cy="1912883"/>
+          </a:xfrm>
+        </p:grpSpPr>
+        <p:grpSp>
+          <p:nvGrpSpPr>
+            <p:cNvPr id="27" name="群組 26"/>
+            <p:cNvGrpSpPr/>
+            <p:nvPr/>
+          </p:nvGrpSpPr>
+          <p:grpSpPr>
+            <a:xfrm>
+              <a:off x="1755231" y="1355834"/>
+              <a:ext cx="7672550" cy="819807"/>
+              <a:chOff x="1776250" y="1124607"/>
+              <a:chExt cx="2333290" cy="472966"/>
+            </a:xfrm>
+          </p:grpSpPr>
+          <p:sp>
+            <p:nvSpPr>
+              <p:cNvPr id="28" name="矩形 27"/>
+              <p:cNvSpPr/>
+              <p:nvPr/>
+            </p:nvSpPr>
+            <p:spPr>
+              <a:xfrm>
+                <a:off x="1776250" y="1124607"/>
+                <a:ext cx="336330" cy="472966"/>
+              </a:xfrm>
+              <a:prstGeom prst="rect">
+                <a:avLst/>
+              </a:prstGeom>
+              <a:ln>
+                <a:noFill/>
+              </a:ln>
+            </p:spPr>
+            <p:style>
+              <a:lnRef idx="2">
+                <a:schemeClr val="dk1">
+                  <a:shade val="50000"/>
+                </a:schemeClr>
+              </a:lnRef>
+              <a:fillRef idx="1">
+                <a:schemeClr val="dk1"/>
+              </a:fillRef>
+              <a:effectRef idx="0">
+                <a:schemeClr val="dk1"/>
+              </a:effectRef>
+              <a:fontRef idx="minor">
+                <a:schemeClr val="lt1"/>
+              </a:fontRef>
+            </p:style>
+            <p:txBody>
+              <a:bodyPr rtlCol="0" anchor="ctr"/>
+              <a:lstStyle/>
+              <a:p>
+                <a:pPr algn="ctr"/>
+                <a:r>
+                  <a:rPr lang="zh-TW" altLang="en-US" dirty="0" smtClean="0"/>
+                  <a:t>第一張</a:t>
+                </a:r>
+                <a:endParaRPr lang="zh-TW" altLang="en-US" dirty="0"/>
+              </a:p>
+            </p:txBody>
+          </p:sp>
+          <p:sp>
+            <p:nvSpPr>
+              <p:cNvPr id="29" name="矩形 28"/>
+              <p:cNvSpPr/>
+              <p:nvPr/>
+            </p:nvSpPr>
+            <p:spPr>
+              <a:xfrm>
+                <a:off x="2112580" y="1124607"/>
+                <a:ext cx="336330" cy="472966"/>
+              </a:xfrm>
+              <a:prstGeom prst="rect">
+                <a:avLst/>
+              </a:prstGeom>
+              <a:ln>
+                <a:noFill/>
+              </a:ln>
+            </p:spPr>
+            <p:style>
+              <a:lnRef idx="2">
+                <a:schemeClr val="accent1">
+                  <a:shade val="50000"/>
+                </a:schemeClr>
+              </a:lnRef>
+              <a:fillRef idx="1">
+                <a:schemeClr val="accent1"/>
+              </a:fillRef>
+              <a:effectRef idx="0">
+                <a:schemeClr val="accent1"/>
+              </a:effectRef>
+              <a:fontRef idx="minor">
+                <a:schemeClr val="lt1"/>
+              </a:fontRef>
+            </p:style>
+            <p:txBody>
+              <a:bodyPr rtlCol="0" anchor="ctr"/>
+              <a:lstStyle/>
+              <a:p>
+                <a:pPr algn="ctr"/>
+                <a:r>
+                  <a:rPr lang="zh-TW" altLang="en-US" dirty="0" smtClean="0"/>
+                  <a:t>第二張</a:t>
+                </a:r>
+                <a:endParaRPr lang="zh-TW" altLang="en-US" dirty="0"/>
+              </a:p>
+            </p:txBody>
+          </p:sp>
+          <p:sp>
+            <p:nvSpPr>
+              <p:cNvPr id="38" name="矩形 37"/>
+              <p:cNvSpPr/>
+              <p:nvPr/>
+            </p:nvSpPr>
+            <p:spPr>
+              <a:xfrm>
+                <a:off x="2448910" y="1124607"/>
+                <a:ext cx="336330" cy="472966"/>
+              </a:xfrm>
+              <a:prstGeom prst="rect">
+                <a:avLst/>
+              </a:prstGeom>
+              <a:ln>
+                <a:noFill/>
+              </a:ln>
+            </p:spPr>
+            <p:style>
+              <a:lnRef idx="2">
+                <a:schemeClr val="accent2">
+                  <a:shade val="50000"/>
+                </a:schemeClr>
+              </a:lnRef>
+              <a:fillRef idx="1">
+                <a:schemeClr val="accent2"/>
+              </a:fillRef>
+              <a:effectRef idx="0">
+                <a:schemeClr val="accent2"/>
+              </a:effectRef>
+              <a:fontRef idx="minor">
+                <a:schemeClr val="lt1"/>
+              </a:fontRef>
+            </p:style>
+            <p:txBody>
+              <a:bodyPr rtlCol="0" anchor="ctr"/>
+              <a:lstStyle/>
+              <a:p>
+                <a:pPr algn="ctr"/>
+                <a:r>
+                  <a:rPr lang="zh-TW" altLang="en-US" dirty="0" smtClean="0"/>
+                  <a:t>第三張</a:t>
+                </a:r>
+                <a:endParaRPr lang="zh-TW" altLang="en-US" dirty="0"/>
+              </a:p>
+            </p:txBody>
+          </p:sp>
+          <p:sp>
+            <p:nvSpPr>
+              <p:cNvPr id="39" name="矩形 38"/>
+              <p:cNvSpPr/>
+              <p:nvPr/>
+            </p:nvSpPr>
+            <p:spPr>
+              <a:xfrm>
+                <a:off x="2764220" y="1124607"/>
+                <a:ext cx="336330" cy="472966"/>
+              </a:xfrm>
+              <a:prstGeom prst="rect">
+                <a:avLst/>
+              </a:prstGeom>
+              <a:ln>
+                <a:noFill/>
+              </a:ln>
+            </p:spPr>
+            <p:style>
+              <a:lnRef idx="3">
+                <a:schemeClr val="lt1"/>
+              </a:lnRef>
+              <a:fillRef idx="1">
+                <a:schemeClr val="accent3"/>
+              </a:fillRef>
+              <a:effectRef idx="1">
+                <a:schemeClr val="accent3"/>
+              </a:effectRef>
+              <a:fontRef idx="minor">
+                <a:schemeClr val="lt1"/>
+              </a:fontRef>
+            </p:style>
+            <p:txBody>
+              <a:bodyPr rtlCol="0" anchor="ctr"/>
+              <a:lstStyle/>
+              <a:p>
+                <a:pPr algn="ctr"/>
+                <a:r>
+                  <a:rPr lang="zh-TW" altLang="en-US" dirty="0" smtClean="0"/>
+                  <a:t>第四張</a:t>
+                </a:r>
+                <a:endParaRPr lang="zh-TW" altLang="en-US" dirty="0"/>
+              </a:p>
+            </p:txBody>
+          </p:sp>
+          <p:sp>
+            <p:nvSpPr>
+              <p:cNvPr id="40" name="矩形 39"/>
+              <p:cNvSpPr/>
+              <p:nvPr/>
+            </p:nvSpPr>
+            <p:spPr>
+              <a:xfrm>
+                <a:off x="3100550" y="1124607"/>
+                <a:ext cx="336330" cy="472966"/>
+              </a:xfrm>
+              <a:prstGeom prst="rect">
+                <a:avLst/>
+              </a:prstGeom>
+              <a:ln>
+                <a:noFill/>
+              </a:ln>
+            </p:spPr>
+            <p:style>
+              <a:lnRef idx="2">
+                <a:schemeClr val="accent4">
+                  <a:shade val="50000"/>
+                </a:schemeClr>
+              </a:lnRef>
+              <a:fillRef idx="1">
+                <a:schemeClr val="accent4"/>
+              </a:fillRef>
+              <a:effectRef idx="0">
+                <a:schemeClr val="accent4"/>
+              </a:effectRef>
+              <a:fontRef idx="minor">
+                <a:schemeClr val="lt1"/>
+              </a:fontRef>
+            </p:style>
+            <p:txBody>
+              <a:bodyPr rtlCol="0" anchor="ctr"/>
+              <a:lstStyle/>
+              <a:p>
+                <a:pPr algn="ctr"/>
+                <a:r>
+                  <a:rPr lang="zh-TW" altLang="en-US" dirty="0" smtClean="0"/>
+                  <a:t>第五張</a:t>
+                </a:r>
+                <a:endParaRPr lang="zh-TW" altLang="en-US" dirty="0"/>
+              </a:p>
+            </p:txBody>
+          </p:sp>
+          <p:sp>
+            <p:nvSpPr>
+              <p:cNvPr id="41" name="矩形 40"/>
+              <p:cNvSpPr/>
+              <p:nvPr/>
+            </p:nvSpPr>
+            <p:spPr>
+              <a:xfrm>
+                <a:off x="3436880" y="1124607"/>
+                <a:ext cx="336330" cy="472966"/>
+              </a:xfrm>
+              <a:prstGeom prst="rect">
+                <a:avLst/>
+              </a:prstGeom>
+              <a:ln>
+                <a:noFill/>
+              </a:ln>
+            </p:spPr>
+            <p:style>
+              <a:lnRef idx="2">
+                <a:schemeClr val="accent5">
+                  <a:shade val="50000"/>
+                </a:schemeClr>
+              </a:lnRef>
+              <a:fillRef idx="1">
+                <a:schemeClr val="accent5"/>
+              </a:fillRef>
+              <a:effectRef idx="0">
+                <a:schemeClr val="accent5"/>
+              </a:effectRef>
+              <a:fontRef idx="minor">
+                <a:schemeClr val="lt1"/>
+              </a:fontRef>
+            </p:style>
+            <p:txBody>
+              <a:bodyPr rtlCol="0" anchor="ctr"/>
+              <a:lstStyle/>
+              <a:p>
+                <a:pPr algn="ctr"/>
+                <a:r>
+                  <a:rPr lang="zh-TW" altLang="en-US" dirty="0" smtClean="0"/>
+                  <a:t>第六張</a:t>
+                </a:r>
+                <a:endParaRPr lang="zh-TW" altLang="en-US" dirty="0"/>
+              </a:p>
+            </p:txBody>
+          </p:sp>
+          <p:sp>
+            <p:nvSpPr>
+              <p:cNvPr id="42" name="矩形 41"/>
+              <p:cNvSpPr/>
+              <p:nvPr/>
+            </p:nvSpPr>
+            <p:spPr>
+              <a:xfrm>
+                <a:off x="3773210" y="1124607"/>
+                <a:ext cx="336330" cy="472966"/>
+              </a:xfrm>
+              <a:prstGeom prst="rect">
+                <a:avLst/>
+              </a:prstGeom>
+              <a:ln>
+                <a:noFill/>
+              </a:ln>
+            </p:spPr>
+            <p:style>
+              <a:lnRef idx="2">
+                <a:schemeClr val="accent6">
+                  <a:shade val="50000"/>
+                </a:schemeClr>
+              </a:lnRef>
+              <a:fillRef idx="1">
+                <a:schemeClr val="accent6"/>
+              </a:fillRef>
+              <a:effectRef idx="0">
+                <a:schemeClr val="accent6"/>
+              </a:effectRef>
+              <a:fontRef idx="minor">
+                <a:schemeClr val="lt1"/>
+              </a:fontRef>
+            </p:style>
+            <p:txBody>
+              <a:bodyPr rtlCol="0" anchor="ctr"/>
+              <a:lstStyle/>
+              <a:p>
+                <a:pPr algn="ctr"/>
+                <a:r>
+                  <a:rPr lang="zh-TW" altLang="en-US" dirty="0" smtClean="0"/>
+                  <a:t>第七張</a:t>
+                </a:r>
+                <a:endParaRPr lang="zh-TW" altLang="en-US" dirty="0"/>
+              </a:p>
+            </p:txBody>
+          </p:sp>
+        </p:grpSp>
+        <p:grpSp>
+          <p:nvGrpSpPr>
+            <p:cNvPr id="43" name="群組 42"/>
+            <p:cNvGrpSpPr/>
+            <p:nvPr/>
+          </p:nvGrpSpPr>
+          <p:grpSpPr>
+            <a:xfrm>
+              <a:off x="2826623" y="2175641"/>
+              <a:ext cx="7672550" cy="819807"/>
+              <a:chOff x="1776250" y="1124607"/>
+              <a:chExt cx="2333290" cy="472966"/>
+            </a:xfrm>
+          </p:grpSpPr>
+          <p:sp>
+            <p:nvSpPr>
+              <p:cNvPr id="44" name="矩形 43"/>
+              <p:cNvSpPr/>
+              <p:nvPr/>
+            </p:nvSpPr>
+            <p:spPr>
+              <a:xfrm>
+                <a:off x="1776250" y="1124607"/>
+                <a:ext cx="336330" cy="472966"/>
+              </a:xfrm>
+              <a:prstGeom prst="rect">
+                <a:avLst/>
+              </a:prstGeom>
+              <a:ln>
+                <a:noFill/>
+              </a:ln>
+            </p:spPr>
+            <p:style>
+              <a:lnRef idx="2">
+                <a:schemeClr val="dk1">
+                  <a:shade val="50000"/>
+                </a:schemeClr>
+              </a:lnRef>
+              <a:fillRef idx="1">
+                <a:schemeClr val="dk1"/>
+              </a:fillRef>
+              <a:effectRef idx="0">
+                <a:schemeClr val="dk1"/>
+              </a:effectRef>
+              <a:fontRef idx="minor">
+                <a:schemeClr val="lt1"/>
+              </a:fontRef>
+            </p:style>
+            <p:txBody>
+              <a:bodyPr rtlCol="0" anchor="ctr"/>
+              <a:lstStyle/>
+              <a:p>
+                <a:pPr algn="ctr"/>
+                <a:r>
+                  <a:rPr lang="zh-TW" altLang="en-US" dirty="0" smtClean="0"/>
+                  <a:t>第一張</a:t>
+                </a:r>
+                <a:endParaRPr lang="zh-TW" altLang="en-US" dirty="0"/>
+              </a:p>
+            </p:txBody>
+          </p:sp>
+          <p:sp>
+            <p:nvSpPr>
+              <p:cNvPr id="45" name="矩形 44"/>
+              <p:cNvSpPr/>
+              <p:nvPr/>
+            </p:nvSpPr>
+            <p:spPr>
+              <a:xfrm>
+                <a:off x="2112580" y="1124607"/>
+                <a:ext cx="336330" cy="472966"/>
+              </a:xfrm>
+              <a:prstGeom prst="rect">
+                <a:avLst/>
+              </a:prstGeom>
+              <a:ln>
+                <a:noFill/>
+              </a:ln>
+            </p:spPr>
+            <p:style>
+              <a:lnRef idx="2">
+                <a:schemeClr val="accent1">
+                  <a:shade val="50000"/>
+                </a:schemeClr>
+              </a:lnRef>
+              <a:fillRef idx="1">
+                <a:schemeClr val="accent1"/>
+              </a:fillRef>
+              <a:effectRef idx="0">
+                <a:schemeClr val="accent1"/>
+              </a:effectRef>
+              <a:fontRef idx="minor">
+                <a:schemeClr val="lt1"/>
+              </a:fontRef>
+            </p:style>
+            <p:txBody>
+              <a:bodyPr rtlCol="0" anchor="ctr"/>
+              <a:lstStyle/>
+              <a:p>
+                <a:pPr algn="ctr"/>
+                <a:r>
+                  <a:rPr lang="zh-TW" altLang="en-US" dirty="0" smtClean="0"/>
+                  <a:t>第二張</a:t>
+                </a:r>
+                <a:endParaRPr lang="zh-TW" altLang="en-US" dirty="0"/>
+              </a:p>
+            </p:txBody>
+          </p:sp>
+          <p:sp>
+            <p:nvSpPr>
+              <p:cNvPr id="47" name="矩形 46"/>
+              <p:cNvSpPr/>
+              <p:nvPr/>
+            </p:nvSpPr>
+            <p:spPr>
+              <a:xfrm>
+                <a:off x="2448910" y="1124607"/>
+                <a:ext cx="336330" cy="472966"/>
+              </a:xfrm>
+              <a:prstGeom prst="rect">
+                <a:avLst/>
+              </a:prstGeom>
+              <a:ln>
+                <a:noFill/>
+              </a:ln>
+            </p:spPr>
+            <p:style>
+              <a:lnRef idx="2">
+                <a:schemeClr val="accent2">
+                  <a:shade val="50000"/>
+                </a:schemeClr>
+              </a:lnRef>
+              <a:fillRef idx="1">
+                <a:schemeClr val="accent2"/>
+              </a:fillRef>
+              <a:effectRef idx="0">
+                <a:schemeClr val="accent2"/>
+              </a:effectRef>
+              <a:fontRef idx="minor">
+                <a:schemeClr val="lt1"/>
+              </a:fontRef>
+            </p:style>
+            <p:txBody>
+              <a:bodyPr rtlCol="0" anchor="ctr"/>
+              <a:lstStyle/>
+              <a:p>
+                <a:pPr algn="ctr"/>
+                <a:r>
+                  <a:rPr lang="zh-TW" altLang="en-US" dirty="0" smtClean="0"/>
+                  <a:t>第三張</a:t>
+                </a:r>
+                <a:endParaRPr lang="zh-TW" altLang="en-US" dirty="0"/>
+              </a:p>
+            </p:txBody>
+          </p:sp>
+          <p:sp>
+            <p:nvSpPr>
+              <p:cNvPr id="48" name="矩形 47"/>
+              <p:cNvSpPr/>
+              <p:nvPr/>
+            </p:nvSpPr>
+            <p:spPr>
+              <a:xfrm>
+                <a:off x="2764220" y="1124607"/>
+                <a:ext cx="336330" cy="472966"/>
+              </a:xfrm>
+              <a:prstGeom prst="rect">
+                <a:avLst/>
+              </a:prstGeom>
+              <a:ln>
+                <a:noFill/>
+              </a:ln>
+            </p:spPr>
+            <p:style>
+              <a:lnRef idx="3">
+                <a:schemeClr val="lt1"/>
+              </a:lnRef>
+              <a:fillRef idx="1">
+                <a:schemeClr val="accent3"/>
+              </a:fillRef>
+              <a:effectRef idx="1">
+                <a:schemeClr val="accent3"/>
+              </a:effectRef>
+              <a:fontRef idx="minor">
+                <a:schemeClr val="lt1"/>
+              </a:fontRef>
+            </p:style>
+            <p:txBody>
+              <a:bodyPr rtlCol="0" anchor="ctr"/>
+              <a:lstStyle/>
+              <a:p>
+                <a:pPr algn="ctr"/>
+                <a:r>
+                  <a:rPr lang="zh-TW" altLang="en-US" dirty="0" smtClean="0"/>
+                  <a:t>第四張</a:t>
+                </a:r>
+                <a:endParaRPr lang="zh-TW" altLang="en-US" dirty="0"/>
+              </a:p>
+            </p:txBody>
+          </p:sp>
+          <p:sp>
+            <p:nvSpPr>
+              <p:cNvPr id="52" name="矩形 51"/>
+              <p:cNvSpPr/>
+              <p:nvPr/>
+            </p:nvSpPr>
+            <p:spPr>
+              <a:xfrm>
+                <a:off x="3100550" y="1124607"/>
+                <a:ext cx="336330" cy="472966"/>
+              </a:xfrm>
+              <a:prstGeom prst="rect">
+                <a:avLst/>
+              </a:prstGeom>
+              <a:ln>
+                <a:noFill/>
+              </a:ln>
+            </p:spPr>
+            <p:style>
+              <a:lnRef idx="2">
+                <a:schemeClr val="accent4">
+                  <a:shade val="50000"/>
+                </a:schemeClr>
+              </a:lnRef>
+              <a:fillRef idx="1">
+                <a:schemeClr val="accent4"/>
+              </a:fillRef>
+              <a:effectRef idx="0">
+                <a:schemeClr val="accent4"/>
+              </a:effectRef>
+              <a:fontRef idx="minor">
+                <a:schemeClr val="lt1"/>
+              </a:fontRef>
+            </p:style>
+            <p:txBody>
+              <a:bodyPr rtlCol="0" anchor="ctr"/>
+              <a:lstStyle/>
+              <a:p>
+                <a:pPr algn="ctr"/>
+                <a:r>
+                  <a:rPr lang="zh-TW" altLang="en-US" dirty="0" smtClean="0"/>
+                  <a:t>第五張</a:t>
+                </a:r>
+                <a:endParaRPr lang="zh-TW" altLang="en-US" dirty="0"/>
+              </a:p>
+            </p:txBody>
+          </p:sp>
+          <p:sp>
+            <p:nvSpPr>
+              <p:cNvPr id="53" name="矩形 52"/>
+              <p:cNvSpPr/>
+              <p:nvPr/>
+            </p:nvSpPr>
+            <p:spPr>
+              <a:xfrm>
+                <a:off x="3436880" y="1124607"/>
+                <a:ext cx="336330" cy="472966"/>
+              </a:xfrm>
+              <a:prstGeom prst="rect">
+                <a:avLst/>
+              </a:prstGeom>
+              <a:ln>
+                <a:noFill/>
+              </a:ln>
+            </p:spPr>
+            <p:style>
+              <a:lnRef idx="2">
+                <a:schemeClr val="accent5">
+                  <a:shade val="50000"/>
+                </a:schemeClr>
+              </a:lnRef>
+              <a:fillRef idx="1">
+                <a:schemeClr val="accent5"/>
+              </a:fillRef>
+              <a:effectRef idx="0">
+                <a:schemeClr val="accent5"/>
+              </a:effectRef>
+              <a:fontRef idx="minor">
+                <a:schemeClr val="lt1"/>
+              </a:fontRef>
+            </p:style>
+            <p:txBody>
+              <a:bodyPr rtlCol="0" anchor="ctr"/>
+              <a:lstStyle/>
+              <a:p>
+                <a:pPr algn="ctr"/>
+                <a:r>
+                  <a:rPr lang="zh-TW" altLang="en-US" dirty="0" smtClean="0"/>
+                  <a:t>第六張</a:t>
+                </a:r>
+                <a:endParaRPr lang="zh-TW" altLang="en-US" dirty="0"/>
+              </a:p>
+            </p:txBody>
+          </p:sp>
+          <p:sp>
+            <p:nvSpPr>
+              <p:cNvPr id="55" name="矩形 54"/>
+              <p:cNvSpPr/>
+              <p:nvPr/>
+            </p:nvSpPr>
+            <p:spPr>
+              <a:xfrm>
+                <a:off x="3773210" y="1124607"/>
+                <a:ext cx="336330" cy="472966"/>
+              </a:xfrm>
+              <a:prstGeom prst="rect">
+                <a:avLst/>
+              </a:prstGeom>
+              <a:ln>
+                <a:noFill/>
+              </a:ln>
+            </p:spPr>
+            <p:style>
+              <a:lnRef idx="2">
+                <a:schemeClr val="accent6">
+                  <a:shade val="50000"/>
+                </a:schemeClr>
+              </a:lnRef>
+              <a:fillRef idx="1">
+                <a:schemeClr val="accent6"/>
+              </a:fillRef>
+              <a:effectRef idx="0">
+                <a:schemeClr val="accent6"/>
+              </a:effectRef>
+              <a:fontRef idx="minor">
+                <a:schemeClr val="lt1"/>
+              </a:fontRef>
+            </p:style>
+            <p:txBody>
+              <a:bodyPr rtlCol="0" anchor="ctr"/>
+              <a:lstStyle/>
+              <a:p>
+                <a:pPr algn="ctr"/>
+                <a:r>
+                  <a:rPr lang="zh-TW" altLang="en-US" dirty="0" smtClean="0"/>
+                  <a:t>第七張</a:t>
+                </a:r>
+                <a:endParaRPr lang="zh-TW" altLang="en-US" dirty="0"/>
+              </a:p>
+            </p:txBody>
+          </p:sp>
+        </p:grpSp>
+        <p:sp>
+          <p:nvSpPr>
+            <p:cNvPr id="56" name="矩形 55"/>
+            <p:cNvSpPr/>
+            <p:nvPr/>
+          </p:nvSpPr>
+          <p:spPr>
+            <a:xfrm>
+              <a:off x="2734467" y="1219199"/>
+              <a:ext cx="6820030" cy="1912883"/>
+            </a:xfrm>
+            <a:prstGeom prst="rect">
+              <a:avLst/>
+            </a:prstGeom>
+            <a:noFill/>
+            <a:ln w="76200">
+              <a:solidFill>
+                <a:srgbClr val="FF0000"/>
+              </a:solidFill>
+            </a:ln>
+          </p:spPr>
+          <p:style>
+            <a:lnRef idx="2">
+              <a:schemeClr val="accent1">
+                <a:shade val="50000"/>
+              </a:schemeClr>
+            </a:lnRef>
+            <a:fillRef idx="1">
+              <a:schemeClr val="accent1"/>
+            </a:fillRef>
+            <a:effectRef idx="0">
+              <a:schemeClr val="accent1"/>
+            </a:effectRef>
+            <a:fontRef idx="minor">
+              <a:schemeClr val="lt1"/>
+            </a:fontRef>
+          </p:style>
+          <p:txBody>
+            <a:bodyPr rtlCol="0" anchor="ctr"/>
+            <a:lstStyle/>
+            <a:p>
+              <a:pPr algn="ctr"/>
+              <a:endParaRPr lang="zh-TW" altLang="en-US"/>
+            </a:p>
+          </p:txBody>
+        </p:sp>
+      </p:grpSp>
+      <p:grpSp>
+        <p:nvGrpSpPr>
+          <p:cNvPr id="70" name="群組 69"/>
+          <p:cNvGrpSpPr/>
+          <p:nvPr/>
+        </p:nvGrpSpPr>
+        <p:grpSpPr>
+          <a:xfrm>
+            <a:off x="3442287" y="1040523"/>
+            <a:ext cx="7672550" cy="609169"/>
+            <a:chOff x="1776250" y="1124607"/>
+            <a:chExt cx="2333290" cy="472966"/>
+          </a:xfrm>
+        </p:grpSpPr>
+        <p:sp>
+          <p:nvSpPr>
+            <p:cNvPr id="71" name="矩形 70"/>
+            <p:cNvSpPr/>
+            <p:nvPr/>
+          </p:nvSpPr>
+          <p:spPr>
+            <a:xfrm>
+              <a:off x="1776250" y="1124607"/>
+              <a:ext cx="336330" cy="472966"/>
+            </a:xfrm>
+            <a:prstGeom prst="rect">
+              <a:avLst/>
+            </a:prstGeom>
+            <a:ln>
+              <a:noFill/>
+            </a:ln>
+          </p:spPr>
+          <p:style>
+            <a:lnRef idx="2">
+              <a:schemeClr val="dk1">
+                <a:shade val="50000"/>
+              </a:schemeClr>
+            </a:lnRef>
+            <a:fillRef idx="1">
+              <a:schemeClr val="dk1"/>
+            </a:fillRef>
+            <a:effectRef idx="0">
+              <a:schemeClr val="dk1"/>
+            </a:effectRef>
+            <a:fontRef idx="minor">
+              <a:schemeClr val="lt1"/>
+            </a:fontRef>
+          </p:style>
+          <p:txBody>
+            <a:bodyPr rtlCol="0" anchor="ctr"/>
+            <a:lstStyle/>
+            <a:p>
+              <a:pPr algn="ctr"/>
+              <a:r>
+                <a:rPr lang="zh-TW" altLang="en-US" dirty="0" smtClean="0"/>
+                <a:t>第一張</a:t>
+              </a:r>
+              <a:endParaRPr lang="zh-TW" altLang="en-US" dirty="0"/>
+            </a:p>
+          </p:txBody>
+        </p:sp>
+        <p:sp>
+          <p:nvSpPr>
+            <p:cNvPr id="72" name="矩形 71"/>
+            <p:cNvSpPr/>
+            <p:nvPr/>
+          </p:nvSpPr>
+          <p:spPr>
+            <a:xfrm>
+              <a:off x="2112580" y="1124607"/>
+              <a:ext cx="336330" cy="472966"/>
+            </a:xfrm>
+            <a:prstGeom prst="rect">
+              <a:avLst/>
+            </a:prstGeom>
+            <a:ln>
+              <a:noFill/>
+            </a:ln>
+          </p:spPr>
+          <p:style>
+            <a:lnRef idx="2">
+              <a:schemeClr val="accent1">
+                <a:shade val="50000"/>
+              </a:schemeClr>
+            </a:lnRef>
+            <a:fillRef idx="1">
+              <a:schemeClr val="accent1"/>
+            </a:fillRef>
+            <a:effectRef idx="0">
+              <a:schemeClr val="accent1"/>
+            </a:effectRef>
+            <a:fontRef idx="minor">
+              <a:schemeClr val="lt1"/>
+            </a:fontRef>
+          </p:style>
+          <p:txBody>
+            <a:bodyPr rtlCol="0" anchor="ctr"/>
+            <a:lstStyle/>
+            <a:p>
+              <a:pPr algn="ctr"/>
+              <a:r>
+                <a:rPr lang="zh-TW" altLang="en-US" dirty="0" smtClean="0"/>
+                <a:t>第二張</a:t>
+              </a:r>
+              <a:endParaRPr lang="zh-TW" altLang="en-US" dirty="0"/>
+            </a:p>
+          </p:txBody>
+        </p:sp>
+        <p:sp>
+          <p:nvSpPr>
+            <p:cNvPr id="73" name="矩形 72"/>
+            <p:cNvSpPr/>
+            <p:nvPr/>
+          </p:nvSpPr>
+          <p:spPr>
+            <a:xfrm>
+              <a:off x="2448910" y="1124607"/>
+              <a:ext cx="336330" cy="472966"/>
+            </a:xfrm>
+            <a:prstGeom prst="rect">
+              <a:avLst/>
+            </a:prstGeom>
+            <a:ln>
+              <a:noFill/>
+            </a:ln>
+          </p:spPr>
+          <p:style>
+            <a:lnRef idx="2">
+              <a:schemeClr val="accent2">
+                <a:shade val="50000"/>
+              </a:schemeClr>
+            </a:lnRef>
+            <a:fillRef idx="1">
+              <a:schemeClr val="accent2"/>
+            </a:fillRef>
+            <a:effectRef idx="0">
+              <a:schemeClr val="accent2"/>
+            </a:effectRef>
+            <a:fontRef idx="minor">
+              <a:schemeClr val="lt1"/>
+            </a:fontRef>
+          </p:style>
+          <p:txBody>
+            <a:bodyPr rtlCol="0" anchor="ctr"/>
+            <a:lstStyle/>
+            <a:p>
+              <a:pPr algn="ctr"/>
+              <a:r>
+                <a:rPr lang="zh-TW" altLang="en-US" dirty="0" smtClean="0"/>
+                <a:t>第三張</a:t>
+              </a:r>
+              <a:endParaRPr lang="zh-TW" altLang="en-US" dirty="0"/>
+            </a:p>
+          </p:txBody>
+        </p:sp>
+        <p:sp>
+          <p:nvSpPr>
+            <p:cNvPr id="74" name="矩形 73"/>
+            <p:cNvSpPr/>
+            <p:nvPr/>
+          </p:nvSpPr>
+          <p:spPr>
+            <a:xfrm>
+              <a:off x="2764220" y="1124607"/>
+              <a:ext cx="336330" cy="472966"/>
+            </a:xfrm>
+            <a:prstGeom prst="rect">
+              <a:avLst/>
+            </a:prstGeom>
+            <a:ln>
+              <a:noFill/>
+            </a:ln>
+          </p:spPr>
+          <p:style>
+            <a:lnRef idx="3">
+              <a:schemeClr val="lt1"/>
+            </a:lnRef>
+            <a:fillRef idx="1">
+              <a:schemeClr val="accent3"/>
+            </a:fillRef>
+            <a:effectRef idx="1">
+              <a:schemeClr val="accent3"/>
+            </a:effectRef>
+            <a:fontRef idx="minor">
+              <a:schemeClr val="lt1"/>
+            </a:fontRef>
+          </p:style>
+          <p:txBody>
+            <a:bodyPr rtlCol="0" anchor="ctr"/>
+            <a:lstStyle/>
+            <a:p>
+              <a:pPr algn="ctr"/>
+              <a:r>
+                <a:rPr lang="zh-TW" altLang="en-US" dirty="0" smtClean="0"/>
+                <a:t>第四張</a:t>
+              </a:r>
+              <a:endParaRPr lang="zh-TW" altLang="en-US" dirty="0"/>
+            </a:p>
+          </p:txBody>
+        </p:sp>
+        <p:sp>
+          <p:nvSpPr>
+            <p:cNvPr id="75" name="矩形 74"/>
+            <p:cNvSpPr/>
+            <p:nvPr/>
+          </p:nvSpPr>
+          <p:spPr>
+            <a:xfrm>
+              <a:off x="3100550" y="1124607"/>
+              <a:ext cx="336330" cy="472966"/>
+            </a:xfrm>
+            <a:prstGeom prst="rect">
+              <a:avLst/>
+            </a:prstGeom>
+            <a:ln>
+              <a:noFill/>
+            </a:ln>
+          </p:spPr>
+          <p:style>
+            <a:lnRef idx="2">
+              <a:schemeClr val="accent4">
+                <a:shade val="50000"/>
+              </a:schemeClr>
+            </a:lnRef>
+            <a:fillRef idx="1">
+              <a:schemeClr val="accent4"/>
+            </a:fillRef>
+            <a:effectRef idx="0">
+              <a:schemeClr val="accent4"/>
+            </a:effectRef>
+            <a:fontRef idx="minor">
+              <a:schemeClr val="lt1"/>
+            </a:fontRef>
+          </p:style>
+          <p:txBody>
+            <a:bodyPr rtlCol="0" anchor="ctr"/>
+            <a:lstStyle/>
+            <a:p>
+              <a:pPr algn="ctr"/>
+              <a:r>
+                <a:rPr lang="zh-TW" altLang="en-US" dirty="0" smtClean="0"/>
+                <a:t>第五張</a:t>
+              </a:r>
+              <a:endParaRPr lang="zh-TW" altLang="en-US" dirty="0"/>
+            </a:p>
+          </p:txBody>
+        </p:sp>
+        <p:sp>
+          <p:nvSpPr>
+            <p:cNvPr id="76" name="矩形 75"/>
+            <p:cNvSpPr/>
+            <p:nvPr/>
+          </p:nvSpPr>
+          <p:spPr>
+            <a:xfrm>
+              <a:off x="3436880" y="1124607"/>
+              <a:ext cx="336330" cy="472966"/>
+            </a:xfrm>
+            <a:prstGeom prst="rect">
+              <a:avLst/>
+            </a:prstGeom>
+            <a:ln>
+              <a:noFill/>
+            </a:ln>
+          </p:spPr>
+          <p:style>
+            <a:lnRef idx="2">
+              <a:schemeClr val="accent5">
+                <a:shade val="50000"/>
+              </a:schemeClr>
+            </a:lnRef>
+            <a:fillRef idx="1">
+              <a:schemeClr val="accent5"/>
+            </a:fillRef>
+            <a:effectRef idx="0">
+              <a:schemeClr val="accent5"/>
+            </a:effectRef>
+            <a:fontRef idx="minor">
+              <a:schemeClr val="lt1"/>
+            </a:fontRef>
+          </p:style>
+          <p:txBody>
+            <a:bodyPr rtlCol="0" anchor="ctr"/>
+            <a:lstStyle/>
+            <a:p>
+              <a:pPr algn="ctr"/>
+              <a:r>
+                <a:rPr lang="zh-TW" altLang="en-US" dirty="0" smtClean="0"/>
+                <a:t>第六張</a:t>
+              </a:r>
+              <a:endParaRPr lang="zh-TW" altLang="en-US" dirty="0"/>
+            </a:p>
+          </p:txBody>
+        </p:sp>
+        <p:sp>
+          <p:nvSpPr>
+            <p:cNvPr id="77" name="矩形 76"/>
+            <p:cNvSpPr/>
+            <p:nvPr/>
+          </p:nvSpPr>
+          <p:spPr>
+            <a:xfrm>
+              <a:off x="3773210" y="1124607"/>
+              <a:ext cx="336330" cy="472966"/>
+            </a:xfrm>
+            <a:prstGeom prst="rect">
+              <a:avLst/>
+            </a:prstGeom>
+            <a:ln>
+              <a:noFill/>
+            </a:ln>
+          </p:spPr>
+          <p:style>
+            <a:lnRef idx="2">
+              <a:schemeClr val="accent6">
+                <a:shade val="50000"/>
+              </a:schemeClr>
+            </a:lnRef>
+            <a:fillRef idx="1">
+              <a:schemeClr val="accent6"/>
+            </a:fillRef>
+            <a:effectRef idx="0">
+              <a:schemeClr val="accent6"/>
+            </a:effectRef>
+            <a:fontRef idx="minor">
+              <a:schemeClr val="lt1"/>
+            </a:fontRef>
+          </p:style>
+          <p:txBody>
+            <a:bodyPr rtlCol="0" anchor="ctr"/>
+            <a:lstStyle/>
+            <a:p>
+              <a:pPr algn="ctr"/>
+              <a:r>
+                <a:rPr lang="zh-TW" altLang="en-US" dirty="0" smtClean="0"/>
+                <a:t>第七張</a:t>
+              </a:r>
+              <a:endParaRPr lang="zh-TW" altLang="en-US" dirty="0"/>
+            </a:p>
+          </p:txBody>
+        </p:sp>
+      </p:grpSp>
+      <p:grpSp>
+        <p:nvGrpSpPr>
+          <p:cNvPr id="79" name="群組 78"/>
+          <p:cNvGrpSpPr/>
+          <p:nvPr/>
+        </p:nvGrpSpPr>
+        <p:grpSpPr>
+          <a:xfrm>
+            <a:off x="3442287" y="1934053"/>
+            <a:ext cx="7672550" cy="609169"/>
+            <a:chOff x="1776250" y="1124607"/>
+            <a:chExt cx="2333290" cy="472966"/>
+          </a:xfrm>
+        </p:grpSpPr>
+        <p:sp>
+          <p:nvSpPr>
+            <p:cNvPr id="80" name="矩形 79"/>
+            <p:cNvSpPr/>
+            <p:nvPr/>
+          </p:nvSpPr>
+          <p:spPr>
+            <a:xfrm>
+              <a:off x="1776250" y="1124607"/>
+              <a:ext cx="336330" cy="472966"/>
+            </a:xfrm>
+            <a:prstGeom prst="rect">
+              <a:avLst/>
+            </a:prstGeom>
+            <a:ln>
+              <a:noFill/>
+            </a:ln>
+          </p:spPr>
+          <p:style>
+            <a:lnRef idx="2">
+              <a:schemeClr val="dk1">
+                <a:shade val="50000"/>
+              </a:schemeClr>
+            </a:lnRef>
+            <a:fillRef idx="1">
+              <a:schemeClr val="dk1"/>
+            </a:fillRef>
+            <a:effectRef idx="0">
+              <a:schemeClr val="dk1"/>
+            </a:effectRef>
+            <a:fontRef idx="minor">
+              <a:schemeClr val="lt1"/>
+            </a:fontRef>
+          </p:style>
+          <p:txBody>
+            <a:bodyPr rtlCol="0" anchor="ctr"/>
+            <a:lstStyle/>
+            <a:p>
+              <a:pPr algn="ctr"/>
+              <a:r>
+                <a:rPr lang="en-US" altLang="zh-TW" dirty="0" smtClean="0"/>
+                <a:t>1</a:t>
+              </a:r>
+              <a:endParaRPr lang="zh-TW" altLang="en-US" dirty="0"/>
+            </a:p>
+          </p:txBody>
+        </p:sp>
+        <p:sp>
+          <p:nvSpPr>
+            <p:cNvPr id="81" name="矩形 80"/>
+            <p:cNvSpPr/>
+            <p:nvPr/>
+          </p:nvSpPr>
+          <p:spPr>
+            <a:xfrm>
+              <a:off x="2112580" y="1124607"/>
+              <a:ext cx="336330" cy="472966"/>
+            </a:xfrm>
+            <a:prstGeom prst="rect">
+              <a:avLst/>
+            </a:prstGeom>
+            <a:ln>
+              <a:noFill/>
+            </a:ln>
+          </p:spPr>
+          <p:style>
+            <a:lnRef idx="2">
+              <a:schemeClr val="accent1">
+                <a:shade val="50000"/>
+              </a:schemeClr>
+            </a:lnRef>
+            <a:fillRef idx="1">
+              <a:schemeClr val="accent1"/>
+            </a:fillRef>
+            <a:effectRef idx="0">
+              <a:schemeClr val="accent1"/>
+            </a:effectRef>
+            <a:fontRef idx="minor">
+              <a:schemeClr val="lt1"/>
+            </a:fontRef>
+          </p:style>
+          <p:txBody>
+            <a:bodyPr rtlCol="0" anchor="ctr"/>
+            <a:lstStyle/>
+            <a:p>
+              <a:pPr algn="ctr"/>
+              <a:r>
+                <a:rPr lang="en-US" altLang="zh-TW" dirty="0" smtClean="0"/>
+                <a:t>2</a:t>
+              </a:r>
+              <a:endParaRPr lang="zh-TW" altLang="en-US" dirty="0"/>
+            </a:p>
+          </p:txBody>
+        </p:sp>
+        <p:sp>
+          <p:nvSpPr>
+            <p:cNvPr id="82" name="矩形 81"/>
+            <p:cNvSpPr/>
+            <p:nvPr/>
+          </p:nvSpPr>
+          <p:spPr>
+            <a:xfrm>
+              <a:off x="2448910" y="1124607"/>
+              <a:ext cx="336330" cy="472966"/>
+            </a:xfrm>
+            <a:prstGeom prst="rect">
+              <a:avLst/>
+            </a:prstGeom>
+            <a:ln>
+              <a:noFill/>
+            </a:ln>
+          </p:spPr>
+          <p:style>
+            <a:lnRef idx="2">
+              <a:schemeClr val="accent2">
+                <a:shade val="50000"/>
+              </a:schemeClr>
+            </a:lnRef>
+            <a:fillRef idx="1">
+              <a:schemeClr val="accent2"/>
+            </a:fillRef>
+            <a:effectRef idx="0">
+              <a:schemeClr val="accent2"/>
+            </a:effectRef>
+            <a:fontRef idx="minor">
+              <a:schemeClr val="lt1"/>
+            </a:fontRef>
+          </p:style>
+          <p:txBody>
+            <a:bodyPr rtlCol="0" anchor="ctr"/>
+            <a:lstStyle/>
+            <a:p>
+              <a:pPr algn="ctr"/>
+              <a:r>
+                <a:rPr lang="en-US" altLang="zh-TW" dirty="0" smtClean="0"/>
+                <a:t>3</a:t>
+              </a:r>
+              <a:endParaRPr lang="zh-TW" altLang="en-US" dirty="0"/>
+            </a:p>
+          </p:txBody>
+        </p:sp>
+        <p:sp>
+          <p:nvSpPr>
+            <p:cNvPr id="83" name="矩形 82"/>
+            <p:cNvSpPr/>
+            <p:nvPr/>
+          </p:nvSpPr>
+          <p:spPr>
+            <a:xfrm>
+              <a:off x="2764220" y="1124607"/>
+              <a:ext cx="336330" cy="472966"/>
+            </a:xfrm>
+            <a:prstGeom prst="rect">
+              <a:avLst/>
+            </a:prstGeom>
+            <a:ln>
+              <a:noFill/>
+            </a:ln>
+          </p:spPr>
+          <p:style>
+            <a:lnRef idx="3">
+              <a:schemeClr val="lt1"/>
+            </a:lnRef>
+            <a:fillRef idx="1">
+              <a:schemeClr val="accent3"/>
+            </a:fillRef>
+            <a:effectRef idx="1">
+              <a:schemeClr val="accent3"/>
+            </a:effectRef>
+            <a:fontRef idx="minor">
+              <a:schemeClr val="lt1"/>
+            </a:fontRef>
+          </p:style>
+          <p:txBody>
+            <a:bodyPr rtlCol="0" anchor="ctr"/>
+            <a:lstStyle/>
+            <a:p>
+              <a:pPr algn="ctr"/>
+              <a:r>
+                <a:rPr lang="en-US" altLang="zh-TW" dirty="0" smtClean="0"/>
+                <a:t>4</a:t>
+              </a:r>
+              <a:endParaRPr lang="zh-TW" altLang="en-US" dirty="0"/>
+            </a:p>
+          </p:txBody>
+        </p:sp>
+        <p:sp>
+          <p:nvSpPr>
+            <p:cNvPr id="84" name="矩形 83"/>
+            <p:cNvSpPr/>
+            <p:nvPr/>
+          </p:nvSpPr>
+          <p:spPr>
+            <a:xfrm>
+              <a:off x="3100550" y="1124607"/>
+              <a:ext cx="336330" cy="472966"/>
+            </a:xfrm>
+            <a:prstGeom prst="rect">
+              <a:avLst/>
+            </a:prstGeom>
+            <a:ln>
+              <a:noFill/>
+            </a:ln>
+          </p:spPr>
+          <p:style>
+            <a:lnRef idx="2">
+              <a:schemeClr val="accent4">
+                <a:shade val="50000"/>
+              </a:schemeClr>
+            </a:lnRef>
+            <a:fillRef idx="1">
+              <a:schemeClr val="accent4"/>
+            </a:fillRef>
+            <a:effectRef idx="0">
+              <a:schemeClr val="accent4"/>
+            </a:effectRef>
+            <a:fontRef idx="minor">
+              <a:schemeClr val="lt1"/>
+            </a:fontRef>
+          </p:style>
+          <p:txBody>
+            <a:bodyPr rtlCol="0" anchor="ctr"/>
+            <a:lstStyle/>
+            <a:p>
+              <a:pPr algn="ctr"/>
+              <a:r>
+                <a:rPr lang="en-US" altLang="zh-TW" dirty="0" smtClean="0"/>
+                <a:t>5</a:t>
+              </a:r>
+              <a:endParaRPr lang="zh-TW" altLang="en-US" dirty="0"/>
+            </a:p>
+          </p:txBody>
+        </p:sp>
+        <p:sp>
+          <p:nvSpPr>
+            <p:cNvPr id="85" name="矩形 84"/>
+            <p:cNvSpPr/>
+            <p:nvPr/>
+          </p:nvSpPr>
+          <p:spPr>
+            <a:xfrm>
+              <a:off x="3436880" y="1124607"/>
+              <a:ext cx="336330" cy="472966"/>
+            </a:xfrm>
+            <a:prstGeom prst="rect">
+              <a:avLst/>
+            </a:prstGeom>
+            <a:ln>
+              <a:noFill/>
+            </a:ln>
+          </p:spPr>
+          <p:style>
+            <a:lnRef idx="2">
+              <a:schemeClr val="accent5">
+                <a:shade val="50000"/>
+              </a:schemeClr>
+            </a:lnRef>
+            <a:fillRef idx="1">
+              <a:schemeClr val="accent5"/>
+            </a:fillRef>
+            <a:effectRef idx="0">
+              <a:schemeClr val="accent5"/>
+            </a:effectRef>
+            <a:fontRef idx="minor">
+              <a:schemeClr val="lt1"/>
+            </a:fontRef>
+          </p:style>
+          <p:txBody>
+            <a:bodyPr rtlCol="0" anchor="ctr"/>
+            <a:lstStyle/>
+            <a:p>
+              <a:pPr algn="ctr"/>
+              <a:r>
+                <a:rPr lang="en-US" altLang="zh-TW" dirty="0" smtClean="0"/>
+                <a:t>6</a:t>
+              </a:r>
+              <a:endParaRPr lang="zh-TW" altLang="en-US" dirty="0"/>
+            </a:p>
+          </p:txBody>
+        </p:sp>
+        <p:sp>
+          <p:nvSpPr>
+            <p:cNvPr id="86" name="矩形 85"/>
+            <p:cNvSpPr/>
+            <p:nvPr/>
+          </p:nvSpPr>
+          <p:spPr>
+            <a:xfrm>
+              <a:off x="3773210" y="1124607"/>
+              <a:ext cx="336330" cy="472966"/>
+            </a:xfrm>
+            <a:prstGeom prst="rect">
+              <a:avLst/>
+            </a:prstGeom>
+            <a:ln>
+              <a:noFill/>
+            </a:ln>
+          </p:spPr>
+          <p:style>
+            <a:lnRef idx="2">
+              <a:schemeClr val="accent6">
+                <a:shade val="50000"/>
+              </a:schemeClr>
+            </a:lnRef>
+            <a:fillRef idx="1">
+              <a:schemeClr val="accent6"/>
+            </a:fillRef>
+            <a:effectRef idx="0">
+              <a:schemeClr val="accent6"/>
+            </a:effectRef>
+            <a:fontRef idx="minor">
+              <a:schemeClr val="lt1"/>
+            </a:fontRef>
+          </p:style>
+          <p:txBody>
+            <a:bodyPr rtlCol="0" anchor="ctr"/>
+            <a:lstStyle/>
+            <a:p>
+              <a:pPr algn="ctr"/>
+              <a:r>
+                <a:rPr lang="en-US" altLang="zh-TW" dirty="0" smtClean="0"/>
+                <a:t>7</a:t>
+              </a:r>
+              <a:endParaRPr lang="zh-TW" altLang="en-US" dirty="0"/>
+            </a:p>
+          </p:txBody>
+        </p:sp>
+      </p:grpSp>
+      <p:sp>
+        <p:nvSpPr>
+          <p:cNvPr id="8" name="橢圓形圖說文字 7"/>
+          <p:cNvSpPr/>
+          <p:nvPr/>
+        </p:nvSpPr>
+        <p:spPr>
+          <a:xfrm>
+            <a:off x="451945" y="872359"/>
+            <a:ext cx="1884389" cy="743741"/>
+          </a:xfrm>
+          <a:prstGeom prst="wedgeEllipseCallout">
+            <a:avLst>
+              <a:gd name="adj1" fmla="val 108936"/>
+              <a:gd name="adj2" fmla="val -3576"/>
+            </a:avLst>
+          </a:prstGeom>
+        </p:spPr>
+        <p:style>
+          <a:lnRef idx="2">
+            <a:schemeClr val="accent1">
+              <a:shade val="50000"/>
+            </a:schemeClr>
+          </a:lnRef>
+          <a:fillRef idx="1">
+            <a:schemeClr val="accent1"/>
+          </a:fillRef>
+          <a:effectRef idx="0">
+            <a:schemeClr val="accent1"/>
+          </a:effectRef>
+          <a:fontRef idx="minor">
+            <a:schemeClr val="lt1"/>
+          </a:fontRef>
+        </p:style>
+        <p:txBody>
+          <a:bodyPr rtlCol="0" anchor="ctr"/>
+          <a:lstStyle/>
+          <a:p>
+            <a:pPr algn="ctr"/>
+            <a:r>
+              <a:rPr lang="en-US" altLang="zh-TW" dirty="0" smtClean="0">
+                <a:latin typeface="Arial" panose="020B0604020202020204" pitchFamily="34" charset="0"/>
+                <a:cs typeface="Arial" panose="020B0604020202020204" pitchFamily="34" charset="0"/>
+              </a:rPr>
+              <a:t>Raw Image</a:t>
+            </a:r>
+            <a:endParaRPr lang="zh-TW" altLang="en-US" dirty="0">
+              <a:latin typeface="Arial" panose="020B0604020202020204" pitchFamily="34" charset="0"/>
+              <a:cs typeface="Arial" panose="020B0604020202020204" pitchFamily="34" charset="0"/>
+            </a:endParaRPr>
+          </a:p>
+        </p:txBody>
+      </p:sp>
+      <p:sp>
+        <p:nvSpPr>
+          <p:cNvPr id="87" name="橢圓形圖說文字 86"/>
+          <p:cNvSpPr/>
+          <p:nvPr/>
+        </p:nvSpPr>
+        <p:spPr>
+          <a:xfrm>
+            <a:off x="375465" y="1851741"/>
+            <a:ext cx="1884389" cy="773791"/>
+          </a:xfrm>
+          <a:prstGeom prst="wedgeEllipseCallout">
+            <a:avLst>
+              <a:gd name="adj1" fmla="val 108936"/>
+              <a:gd name="adj2" fmla="val -3576"/>
+            </a:avLst>
+          </a:prstGeom>
+        </p:spPr>
+        <p:style>
+          <a:lnRef idx="2">
+            <a:schemeClr val="accent1">
+              <a:shade val="50000"/>
+            </a:schemeClr>
+          </a:lnRef>
+          <a:fillRef idx="1">
+            <a:schemeClr val="accent1"/>
+          </a:fillRef>
+          <a:effectRef idx="0">
+            <a:schemeClr val="accent1"/>
+          </a:effectRef>
+          <a:fontRef idx="minor">
+            <a:schemeClr val="lt1"/>
+          </a:fontRef>
+        </p:style>
+        <p:txBody>
+          <a:bodyPr rtlCol="0" anchor="ctr"/>
+          <a:lstStyle/>
+          <a:p>
+            <a:pPr algn="ctr"/>
+            <a:r>
+              <a:rPr lang="en-US" altLang="zh-TW" dirty="0" smtClean="0">
+                <a:latin typeface="Arial" panose="020B0604020202020204" pitchFamily="34" charset="0"/>
+                <a:cs typeface="Arial" panose="020B0604020202020204" pitchFamily="34" charset="0"/>
+              </a:rPr>
+              <a:t>Raw </a:t>
+            </a:r>
+          </a:p>
+          <a:p>
+            <a:pPr algn="ctr"/>
+            <a:r>
+              <a:rPr lang="en-US" altLang="zh-TW" dirty="0" smtClean="0">
+                <a:latin typeface="Arial" panose="020B0604020202020204" pitchFamily="34" charset="0"/>
+                <a:cs typeface="Arial" panose="020B0604020202020204" pitchFamily="34" charset="0"/>
+              </a:rPr>
+              <a:t>Label</a:t>
+            </a:r>
+            <a:endParaRPr lang="zh-TW" altLang="en-US" dirty="0">
+              <a:latin typeface="Arial" panose="020B0604020202020204" pitchFamily="34" charset="0"/>
+              <a:cs typeface="Arial" panose="020B0604020202020204" pitchFamily="34" charset="0"/>
+            </a:endParaRPr>
+          </a:p>
+        </p:txBody>
+      </p:sp>
+      <p:sp>
+        <p:nvSpPr>
+          <p:cNvPr id="88" name="橢圓形圖說文字 87"/>
+          <p:cNvSpPr/>
+          <p:nvPr/>
+        </p:nvSpPr>
+        <p:spPr>
+          <a:xfrm>
+            <a:off x="486217" y="3577868"/>
+            <a:ext cx="1884389" cy="743741"/>
+          </a:xfrm>
+          <a:prstGeom prst="wedgeEllipseCallout">
+            <a:avLst>
+              <a:gd name="adj1" fmla="val 108936"/>
+              <a:gd name="adj2" fmla="val -3576"/>
+            </a:avLst>
+          </a:prstGeom>
+        </p:spPr>
+        <p:style>
+          <a:lnRef idx="2">
+            <a:schemeClr val="accent1">
+              <a:shade val="50000"/>
+            </a:schemeClr>
+          </a:lnRef>
+          <a:fillRef idx="1">
+            <a:schemeClr val="accent1"/>
+          </a:fillRef>
+          <a:effectRef idx="0">
+            <a:schemeClr val="accent1"/>
+          </a:effectRef>
+          <a:fontRef idx="minor">
+            <a:schemeClr val="lt1"/>
+          </a:fontRef>
+        </p:style>
+        <p:txBody>
+          <a:bodyPr rtlCol="0" anchor="ctr"/>
+          <a:lstStyle/>
+          <a:p>
+            <a:pPr algn="ctr"/>
+            <a:r>
+              <a:rPr lang="en-US" altLang="zh-TW" dirty="0" smtClean="0">
+                <a:latin typeface="Arial" panose="020B0604020202020204" pitchFamily="34" charset="0"/>
+                <a:cs typeface="Arial" panose="020B0604020202020204" pitchFamily="34" charset="0"/>
+              </a:rPr>
+              <a:t>Image</a:t>
+            </a:r>
+            <a:endParaRPr lang="zh-TW" altLang="en-US" dirty="0">
+              <a:latin typeface="Arial" panose="020B0604020202020204" pitchFamily="34" charset="0"/>
+              <a:cs typeface="Arial" panose="020B0604020202020204" pitchFamily="34" charset="0"/>
+            </a:endParaRPr>
+          </a:p>
+        </p:txBody>
+      </p:sp>
+      <p:grpSp>
+        <p:nvGrpSpPr>
+          <p:cNvPr id="89" name="群組 88"/>
+          <p:cNvGrpSpPr/>
+          <p:nvPr/>
+        </p:nvGrpSpPr>
+        <p:grpSpPr>
+          <a:xfrm>
+            <a:off x="3473943" y="5043975"/>
+            <a:ext cx="6995898" cy="609169"/>
+            <a:chOff x="1776250" y="1124607"/>
+            <a:chExt cx="2333290" cy="472966"/>
+          </a:xfrm>
+        </p:grpSpPr>
+        <p:sp>
+          <p:nvSpPr>
+            <p:cNvPr id="90" name="矩形 89"/>
+            <p:cNvSpPr/>
+            <p:nvPr/>
+          </p:nvSpPr>
+          <p:spPr>
+            <a:xfrm>
+              <a:off x="1776250" y="1124607"/>
+              <a:ext cx="336330" cy="472966"/>
+            </a:xfrm>
+            <a:prstGeom prst="rect">
+              <a:avLst/>
+            </a:prstGeom>
+            <a:ln>
+              <a:noFill/>
+            </a:ln>
+          </p:spPr>
+          <p:style>
+            <a:lnRef idx="2">
+              <a:schemeClr val="dk1">
+                <a:shade val="50000"/>
+              </a:schemeClr>
+            </a:lnRef>
+            <a:fillRef idx="1">
+              <a:schemeClr val="dk1"/>
+            </a:fillRef>
+            <a:effectRef idx="0">
+              <a:schemeClr val="dk1"/>
+            </a:effectRef>
+            <a:fontRef idx="minor">
+              <a:schemeClr val="lt1"/>
+            </a:fontRef>
+          </p:style>
+          <p:txBody>
+            <a:bodyPr rtlCol="0" anchor="ctr"/>
+            <a:lstStyle/>
+            <a:p>
+              <a:pPr algn="ctr"/>
+              <a:r>
+                <a:rPr lang="en-US" altLang="zh-TW" dirty="0" smtClean="0"/>
+                <a:t>1</a:t>
+              </a:r>
+              <a:endParaRPr lang="zh-TW" altLang="en-US" dirty="0"/>
+            </a:p>
+          </p:txBody>
+        </p:sp>
+        <p:sp>
+          <p:nvSpPr>
+            <p:cNvPr id="91" name="矩形 90"/>
+            <p:cNvSpPr/>
+            <p:nvPr/>
+          </p:nvSpPr>
+          <p:spPr>
+            <a:xfrm>
+              <a:off x="2112580" y="1124607"/>
+              <a:ext cx="336330" cy="472966"/>
+            </a:xfrm>
+            <a:prstGeom prst="rect">
+              <a:avLst/>
+            </a:prstGeom>
+            <a:ln>
+              <a:noFill/>
+            </a:ln>
+          </p:spPr>
+          <p:style>
+            <a:lnRef idx="2">
+              <a:schemeClr val="accent1">
+                <a:shade val="50000"/>
+              </a:schemeClr>
+            </a:lnRef>
+            <a:fillRef idx="1">
+              <a:schemeClr val="accent1"/>
+            </a:fillRef>
+            <a:effectRef idx="0">
+              <a:schemeClr val="accent1"/>
+            </a:effectRef>
+            <a:fontRef idx="minor">
+              <a:schemeClr val="lt1"/>
+            </a:fontRef>
+          </p:style>
+          <p:txBody>
+            <a:bodyPr rtlCol="0" anchor="ctr"/>
+            <a:lstStyle/>
+            <a:p>
+              <a:pPr algn="ctr"/>
+              <a:r>
+                <a:rPr lang="en-US" altLang="zh-TW" dirty="0" smtClean="0"/>
+                <a:t>2</a:t>
+              </a:r>
+              <a:endParaRPr lang="zh-TW" altLang="en-US" dirty="0"/>
+            </a:p>
+          </p:txBody>
+        </p:sp>
+        <p:sp>
+          <p:nvSpPr>
+            <p:cNvPr id="92" name="矩形 91"/>
+            <p:cNvSpPr/>
+            <p:nvPr/>
+          </p:nvSpPr>
+          <p:spPr>
+            <a:xfrm>
+              <a:off x="2448910" y="1124607"/>
+              <a:ext cx="336330" cy="472966"/>
+            </a:xfrm>
+            <a:prstGeom prst="rect">
+              <a:avLst/>
+            </a:prstGeom>
+            <a:ln>
+              <a:noFill/>
+            </a:ln>
+          </p:spPr>
+          <p:style>
+            <a:lnRef idx="2">
+              <a:schemeClr val="accent2">
+                <a:shade val="50000"/>
+              </a:schemeClr>
+            </a:lnRef>
+            <a:fillRef idx="1">
+              <a:schemeClr val="accent2"/>
+            </a:fillRef>
+            <a:effectRef idx="0">
+              <a:schemeClr val="accent2"/>
+            </a:effectRef>
+            <a:fontRef idx="minor">
+              <a:schemeClr val="lt1"/>
+            </a:fontRef>
+          </p:style>
+          <p:txBody>
+            <a:bodyPr rtlCol="0" anchor="ctr"/>
+            <a:lstStyle/>
+            <a:p>
+              <a:pPr algn="ctr"/>
+              <a:r>
+                <a:rPr lang="en-US" altLang="zh-TW" dirty="0" smtClean="0"/>
+                <a:t>3</a:t>
+              </a:r>
+              <a:endParaRPr lang="zh-TW" altLang="en-US" dirty="0"/>
+            </a:p>
+          </p:txBody>
+        </p:sp>
+        <p:sp>
+          <p:nvSpPr>
+            <p:cNvPr id="93" name="矩形 92"/>
+            <p:cNvSpPr/>
+            <p:nvPr/>
+          </p:nvSpPr>
+          <p:spPr>
+            <a:xfrm>
+              <a:off x="2764220" y="1124607"/>
+              <a:ext cx="336330" cy="472966"/>
+            </a:xfrm>
+            <a:prstGeom prst="rect">
+              <a:avLst/>
+            </a:prstGeom>
+            <a:ln>
+              <a:noFill/>
+            </a:ln>
+          </p:spPr>
+          <p:style>
+            <a:lnRef idx="3">
+              <a:schemeClr val="lt1"/>
+            </a:lnRef>
+            <a:fillRef idx="1">
+              <a:schemeClr val="accent3"/>
+            </a:fillRef>
+            <a:effectRef idx="1">
+              <a:schemeClr val="accent3"/>
+            </a:effectRef>
+            <a:fontRef idx="minor">
+              <a:schemeClr val="lt1"/>
+            </a:fontRef>
+          </p:style>
+          <p:txBody>
+            <a:bodyPr rtlCol="0" anchor="ctr"/>
+            <a:lstStyle/>
+            <a:p>
+              <a:pPr algn="ctr"/>
+              <a:r>
+                <a:rPr lang="en-US" altLang="zh-TW" dirty="0" smtClean="0"/>
+                <a:t>4</a:t>
+              </a:r>
+              <a:endParaRPr lang="zh-TW" altLang="en-US" dirty="0"/>
+            </a:p>
+          </p:txBody>
+        </p:sp>
+        <p:sp>
+          <p:nvSpPr>
+            <p:cNvPr id="94" name="矩形 93"/>
+            <p:cNvSpPr/>
+            <p:nvPr/>
+          </p:nvSpPr>
+          <p:spPr>
+            <a:xfrm>
+              <a:off x="3100550" y="1124607"/>
+              <a:ext cx="336330" cy="472966"/>
+            </a:xfrm>
+            <a:prstGeom prst="rect">
+              <a:avLst/>
+            </a:prstGeom>
+            <a:ln>
+              <a:noFill/>
+            </a:ln>
+          </p:spPr>
+          <p:style>
+            <a:lnRef idx="2">
+              <a:schemeClr val="accent4">
+                <a:shade val="50000"/>
+              </a:schemeClr>
+            </a:lnRef>
+            <a:fillRef idx="1">
+              <a:schemeClr val="accent4"/>
+            </a:fillRef>
+            <a:effectRef idx="0">
+              <a:schemeClr val="accent4"/>
+            </a:effectRef>
+            <a:fontRef idx="minor">
+              <a:schemeClr val="lt1"/>
+            </a:fontRef>
+          </p:style>
+          <p:txBody>
+            <a:bodyPr rtlCol="0" anchor="ctr"/>
+            <a:lstStyle/>
+            <a:p>
+              <a:pPr algn="ctr"/>
+              <a:r>
+                <a:rPr lang="en-US" altLang="zh-TW" dirty="0" smtClean="0"/>
+                <a:t>5</a:t>
+              </a:r>
+              <a:endParaRPr lang="zh-TW" altLang="en-US" dirty="0"/>
+            </a:p>
+          </p:txBody>
+        </p:sp>
+        <p:sp>
+          <p:nvSpPr>
+            <p:cNvPr id="95" name="矩形 94"/>
+            <p:cNvSpPr/>
+            <p:nvPr/>
+          </p:nvSpPr>
+          <p:spPr>
+            <a:xfrm>
+              <a:off x="3436880" y="1124607"/>
+              <a:ext cx="336330" cy="472966"/>
+            </a:xfrm>
+            <a:prstGeom prst="rect">
+              <a:avLst/>
+            </a:prstGeom>
+            <a:ln>
+              <a:noFill/>
+            </a:ln>
+          </p:spPr>
+          <p:style>
+            <a:lnRef idx="2">
+              <a:schemeClr val="accent5">
+                <a:shade val="50000"/>
+              </a:schemeClr>
+            </a:lnRef>
+            <a:fillRef idx="1">
+              <a:schemeClr val="accent5"/>
+            </a:fillRef>
+            <a:effectRef idx="0">
+              <a:schemeClr val="accent5"/>
+            </a:effectRef>
+            <a:fontRef idx="minor">
+              <a:schemeClr val="lt1"/>
+            </a:fontRef>
+          </p:style>
+          <p:txBody>
+            <a:bodyPr rtlCol="0" anchor="ctr"/>
+            <a:lstStyle/>
+            <a:p>
+              <a:pPr algn="ctr"/>
+              <a:r>
+                <a:rPr lang="en-US" altLang="zh-TW" dirty="0" smtClean="0"/>
+                <a:t>6</a:t>
+              </a:r>
+              <a:endParaRPr lang="zh-TW" altLang="en-US" dirty="0"/>
+            </a:p>
+          </p:txBody>
+        </p:sp>
+        <p:sp>
+          <p:nvSpPr>
+            <p:cNvPr id="96" name="矩形 95"/>
+            <p:cNvSpPr/>
+            <p:nvPr/>
+          </p:nvSpPr>
+          <p:spPr>
+            <a:xfrm>
+              <a:off x="3773210" y="1124607"/>
+              <a:ext cx="336330" cy="472966"/>
+            </a:xfrm>
+            <a:prstGeom prst="rect">
+              <a:avLst/>
+            </a:prstGeom>
+            <a:ln>
+              <a:noFill/>
+            </a:ln>
+          </p:spPr>
+          <p:style>
+            <a:lnRef idx="2">
+              <a:schemeClr val="accent6">
+                <a:shade val="50000"/>
+              </a:schemeClr>
+            </a:lnRef>
+            <a:fillRef idx="1">
+              <a:schemeClr val="accent6"/>
+            </a:fillRef>
+            <a:effectRef idx="0">
+              <a:schemeClr val="accent6"/>
+            </a:effectRef>
+            <a:fontRef idx="minor">
+              <a:schemeClr val="lt1"/>
+            </a:fontRef>
+          </p:style>
+          <p:txBody>
+            <a:bodyPr rtlCol="0" anchor="ctr"/>
+            <a:lstStyle/>
+            <a:p>
+              <a:pPr algn="ctr"/>
+              <a:r>
+                <a:rPr lang="en-US" altLang="zh-TW" dirty="0" smtClean="0"/>
+                <a:t>7</a:t>
+              </a:r>
+              <a:endParaRPr lang="zh-TW" altLang="en-US" dirty="0"/>
+            </a:p>
+          </p:txBody>
+        </p:sp>
+      </p:grpSp>
+      <p:sp>
+        <p:nvSpPr>
+          <p:cNvPr id="97" name="橢圓形圖說文字 96"/>
+          <p:cNvSpPr/>
+          <p:nvPr/>
+        </p:nvSpPr>
+        <p:spPr>
+          <a:xfrm>
+            <a:off x="480568" y="4976688"/>
+            <a:ext cx="1884389" cy="743741"/>
+          </a:xfrm>
+          <a:prstGeom prst="wedgeEllipseCallout">
+            <a:avLst>
+              <a:gd name="adj1" fmla="val 108936"/>
+              <a:gd name="adj2" fmla="val -3576"/>
+            </a:avLst>
+          </a:prstGeom>
+        </p:spPr>
+        <p:style>
+          <a:lnRef idx="2">
+            <a:schemeClr val="accent1">
+              <a:shade val="50000"/>
+            </a:schemeClr>
+          </a:lnRef>
+          <a:fillRef idx="1">
+            <a:schemeClr val="accent1"/>
+          </a:fillRef>
+          <a:effectRef idx="0">
+            <a:schemeClr val="accent1"/>
+          </a:effectRef>
+          <a:fontRef idx="minor">
+            <a:schemeClr val="lt1"/>
+          </a:fontRef>
+        </p:style>
+        <p:txBody>
+          <a:bodyPr rtlCol="0" anchor="ctr"/>
+          <a:lstStyle/>
+          <a:p>
+            <a:pPr algn="ctr"/>
+            <a:r>
+              <a:rPr lang="en-US" altLang="zh-TW" dirty="0" smtClean="0">
+                <a:latin typeface="Arial" panose="020B0604020202020204" pitchFamily="34" charset="0"/>
+                <a:cs typeface="Arial" panose="020B0604020202020204" pitchFamily="34" charset="0"/>
+              </a:rPr>
+              <a:t>Label</a:t>
+            </a:r>
+            <a:endParaRPr lang="zh-TW" altLang="en-US" dirty="0">
+              <a:latin typeface="Arial" panose="020B0604020202020204" pitchFamily="34" charset="0"/>
+              <a:cs typeface="Arial" panose="020B0604020202020204" pitchFamily="34" charset="0"/>
+            </a:endParaRPr>
+          </a:p>
+        </p:txBody>
+      </p:sp>
+      <p:cxnSp>
+        <p:nvCxnSpPr>
+          <p:cNvPr id="11" name="直線接點 10"/>
+          <p:cNvCxnSpPr/>
+          <p:nvPr/>
+        </p:nvCxnSpPr>
+        <p:spPr>
+          <a:xfrm>
+            <a:off x="3473943" y="5043975"/>
+            <a:ext cx="949669" cy="609169"/>
+          </a:xfrm>
+          <a:prstGeom prst="line">
+            <a:avLst/>
+          </a:prstGeom>
+          <a:ln w="76200">
+            <a:solidFill>
+              <a:srgbClr val="FF0000"/>
+            </a:solidFill>
+          </a:ln>
+        </p:spPr>
+        <p:style>
+          <a:lnRef idx="3">
+            <a:schemeClr val="accent2"/>
+          </a:lnRef>
+          <a:fillRef idx="0">
+            <a:schemeClr val="accent2"/>
+          </a:fillRef>
+          <a:effectRef idx="2">
+            <a:schemeClr val="accent2"/>
+          </a:effectRef>
+          <a:fontRef idx="minor">
+            <a:schemeClr val="tx1"/>
+          </a:fontRef>
+        </p:style>
+      </p:cxnSp>
+      <p:cxnSp>
+        <p:nvCxnSpPr>
+          <p:cNvPr id="98" name="直線接點 97"/>
+          <p:cNvCxnSpPr/>
+          <p:nvPr/>
+        </p:nvCxnSpPr>
+        <p:spPr>
+          <a:xfrm flipV="1">
+            <a:off x="3496508" y="5043976"/>
+            <a:ext cx="1001608" cy="572062"/>
+          </a:xfrm>
+          <a:prstGeom prst="line">
+            <a:avLst/>
+          </a:prstGeom>
+          <a:ln w="76200">
+            <a:solidFill>
+              <a:srgbClr val="FF0000"/>
+            </a:solidFill>
+          </a:ln>
+        </p:spPr>
+        <p:style>
+          <a:lnRef idx="3">
+            <a:schemeClr val="accent2"/>
+          </a:lnRef>
+          <a:fillRef idx="0">
+            <a:schemeClr val="accent2"/>
+          </a:fillRef>
+          <a:effectRef idx="2">
+            <a:schemeClr val="accent2"/>
+          </a:effectRef>
+          <a:fontRef idx="minor">
+            <a:schemeClr val="tx1"/>
+          </a:fontRef>
+        </p:style>
+      </p:cxnSp>
+      <p:sp>
+        <p:nvSpPr>
+          <p:cNvPr id="99" name="矩形 98"/>
+          <p:cNvSpPr/>
+          <p:nvPr/>
+        </p:nvSpPr>
+        <p:spPr>
+          <a:xfrm>
+            <a:off x="4423612" y="4890053"/>
+            <a:ext cx="6162292" cy="952109"/>
+          </a:xfrm>
+          <a:prstGeom prst="rect">
+            <a:avLst/>
+          </a:prstGeom>
+          <a:noFill/>
+          <a:ln w="76200">
+            <a:solidFill>
+              <a:srgbClr val="FF0000"/>
+            </a:solidFill>
+          </a:ln>
+        </p:spPr>
+        <p:style>
+          <a:lnRef idx="2">
+            <a:schemeClr val="accent1">
+              <a:shade val="50000"/>
+            </a:schemeClr>
+          </a:lnRef>
+          <a:fillRef idx="1">
+            <a:schemeClr val="accent1"/>
+          </a:fillRef>
+          <a:effectRef idx="0">
+            <a:schemeClr val="accent1"/>
+          </a:effectRef>
+          <a:fontRef idx="minor">
+            <a:schemeClr val="lt1"/>
+          </a:fontRef>
+        </p:style>
+        <p:txBody>
+          <a:bodyPr rtlCol="0" anchor="ctr"/>
+          <a:lstStyle/>
+          <a:p>
+            <a:pPr algn="ctr"/>
+            <a:endParaRPr lang="zh-TW" altLang="en-US"/>
+          </a:p>
+        </p:txBody>
+      </p:sp>
+      <p:sp>
+        <p:nvSpPr>
+          <p:cNvPr id="100" name="橢圓形圖說文字 99"/>
+          <p:cNvSpPr/>
+          <p:nvPr/>
+        </p:nvSpPr>
+        <p:spPr>
+          <a:xfrm>
+            <a:off x="6417919" y="5996084"/>
+            <a:ext cx="1884389" cy="743741"/>
+          </a:xfrm>
+          <a:prstGeom prst="wedgeEllipseCallout">
+            <a:avLst>
+              <a:gd name="adj1" fmla="val 1846"/>
+              <a:gd name="adj2" fmla="val -71408"/>
+            </a:avLst>
+          </a:prstGeom>
+        </p:spPr>
+        <p:style>
+          <a:lnRef idx="2">
+            <a:schemeClr val="accent1">
+              <a:shade val="50000"/>
+            </a:schemeClr>
+          </a:lnRef>
+          <a:fillRef idx="1">
+            <a:schemeClr val="accent1"/>
+          </a:fillRef>
+          <a:effectRef idx="0">
+            <a:schemeClr val="accent1"/>
+          </a:effectRef>
+          <a:fontRef idx="minor">
+            <a:schemeClr val="lt1"/>
+          </a:fontRef>
+        </p:style>
+        <p:txBody>
+          <a:bodyPr rtlCol="0" anchor="ctr"/>
+          <a:lstStyle/>
+          <a:p>
+            <a:pPr algn="ctr"/>
+            <a:r>
+              <a:rPr lang="zh-TW" altLang="en-US" dirty="0" smtClean="0">
+                <a:latin typeface="Arial" panose="020B0604020202020204" pitchFamily="34" charset="0"/>
+                <a:cs typeface="Arial" panose="020B0604020202020204" pitchFamily="34" charset="0"/>
+              </a:rPr>
+              <a:t>相對</a:t>
+            </a:r>
+            <a:r>
+              <a:rPr lang="zh-TW" altLang="en-US" dirty="0">
+                <a:latin typeface="Arial" panose="020B0604020202020204" pitchFamily="34" charset="0"/>
+                <a:cs typeface="Arial" panose="020B0604020202020204" pitchFamily="34" charset="0"/>
+              </a:rPr>
+              <a:t>座標</a:t>
+            </a:r>
+          </a:p>
+        </p:txBody>
+      </p:sp>
+    </p:spTree>
+    <p:extLst>
+      <p:ext uri="{BB962C8B-B14F-4D97-AF65-F5344CB8AC3E}">
+        <p14:creationId xmlns:p14="http://schemas.microsoft.com/office/powerpoint/2010/main" val="2595128709"/>
+      </p:ext>
+    </p:extLst>
+  </p:cSld>
+  <p:clrMapOvr>
+    <a:masterClrMapping/>
+  </p:clrMapOvr>
+  <p:timing>
+    <p:tnLst>
+      <p:par>
+        <p:cTn id="1" dur="indefinite" restart="never" nodeType="tmRoot"/>
+      </p:par>
+    </p:tnLst>
+  </p:timing>
+</p:sld>
+</file>
+
 <file path=ppt/theme/theme1.xml><?xml version="1.0" encoding="utf-8"?>
 <a:theme xmlns:a="http://schemas.openxmlformats.org/drawingml/2006/main" name="Office 佈景主題">
   <a:themeElements>
